--- a/reference/Bundle説明図.pptx
+++ b/reference/Bundle説明図.pptx
@@ -4952,7 +4952,7 @@
         <p:spPr>
           <a:xfrm>
             <a:off x="4370468" y="3708704"/>
-            <a:ext cx="2606758" cy="499239"/>
+            <a:ext cx="2606758" cy="646331"/>
           </a:xfrm>
           <a:prstGeom prst="rect">
             <a:avLst/>
@@ -5002,26 +5002,26 @@
           <a:lstStyle/>
           <a:p>
             <a:r>
-              <a:rPr lang="ja-JP" altLang="en-US" sz="1322"/>
+              <a:rPr lang="ja-JP" altLang="en-US" sz="1200"/>
               <a:t>各リソースから患者への参照は</a:t>
             </a:r>
             <a:r>
-              <a:rPr lang="en-US" altLang="ja-JP" sz="1322"/>
-              <a:t>entry(Patient)</a:t>
-            </a:r>
-            <a:r>
-              <a:rPr lang="ja-JP" altLang="en-US" sz="1322"/>
-              <a:t>の</a:t>
-            </a:r>
-            <a:r>
-              <a:rPr lang="en-US" altLang="ja-JP" sz="1322"/>
-              <a:t>fullURI</a:t>
-            </a:r>
-            <a:r>
-              <a:rPr lang="ja-JP" altLang="en-US" sz="1322"/>
-              <a:t>を記述する。</a:t>
-            </a:r>
-            <a:endParaRPr lang="en-US" altLang="ja-JP" sz="1322"/>
+              <a:rPr lang="en-US" altLang="ja-JP" sz="1200"/>
+              <a:t>Patient</a:t>
+            </a:r>
+            <a:r>
+              <a:rPr lang="ja-JP" altLang="en-US" sz="1200"/>
+              <a:t>リソースの</a:t>
+            </a:r>
+            <a:r>
+              <a:rPr lang="en-US" altLang="ja-JP" sz="1200"/>
+              <a:t>identifier</a:t>
+            </a:r>
+            <a:r>
+              <a:rPr lang="ja-JP" altLang="en-US" sz="1200"/>
+              <a:t>を各リソース側に記述することで行う。</a:t>
+            </a:r>
+            <a:endParaRPr lang="en-US" altLang="ja-JP" sz="1200"/>
           </a:p>
         </p:txBody>
       </p:sp>
@@ -5043,7 +5043,7 @@
         <p:spPr>
           <a:xfrm flipH="1" flipV="1">
             <a:off x="3835296" y="3456433"/>
-            <a:ext cx="535173" cy="501890"/>
+            <a:ext cx="535172" cy="575437"/>
           </a:xfrm>
           <a:prstGeom prst="straightConnector1">
             <a:avLst/>

--- a/reference/Bundle説明図.pptx
+++ b/reference/Bundle説明図.pptx
@@ -253,7 +253,7 @@
           <a:lstStyle/>
           <a:p>
             <a:fld id="{2224FB0B-34E8-EC45-933D-37E0CA6A2588}" type="datetimeFigureOut">
-              <a:t>2023/11/22</a:t>
+              <a:t>2024/6/17</a:t>
             </a:fld>
             <a:endParaRPr kumimoji="1" lang="ja-JP" altLang="en-US"/>
           </a:p>
@@ -453,7 +453,7 @@
           <a:lstStyle/>
           <a:p>
             <a:fld id="{2224FB0B-34E8-EC45-933D-37E0CA6A2588}" type="datetimeFigureOut">
-              <a:t>2023/11/22</a:t>
+              <a:t>2024/6/17</a:t>
             </a:fld>
             <a:endParaRPr kumimoji="1" lang="ja-JP" altLang="en-US"/>
           </a:p>
@@ -663,7 +663,7 @@
           <a:lstStyle/>
           <a:p>
             <a:fld id="{2224FB0B-34E8-EC45-933D-37E0CA6A2588}" type="datetimeFigureOut">
-              <a:t>2023/11/22</a:t>
+              <a:t>2024/6/17</a:t>
             </a:fld>
             <a:endParaRPr kumimoji="1" lang="ja-JP" altLang="en-US"/>
           </a:p>
@@ -863,7 +863,7 @@
           <a:lstStyle/>
           <a:p>
             <a:fld id="{2224FB0B-34E8-EC45-933D-37E0CA6A2588}" type="datetimeFigureOut">
-              <a:t>2023/11/22</a:t>
+              <a:t>2024/6/17</a:t>
             </a:fld>
             <a:endParaRPr kumimoji="1" lang="ja-JP" altLang="en-US"/>
           </a:p>
@@ -1105,7 +1105,7 @@
           <a:lstStyle/>
           <a:p>
             <a:fld id="{2224FB0B-34E8-EC45-933D-37E0CA6A2588}" type="datetimeFigureOut">
-              <a:t>2023/11/22</a:t>
+              <a:t>2024/6/17</a:t>
             </a:fld>
             <a:endParaRPr kumimoji="1" lang="ja-JP" altLang="en-US"/>
           </a:p>
@@ -1399,7 +1399,7 @@
           <a:lstStyle/>
           <a:p>
             <a:fld id="{2224FB0B-34E8-EC45-933D-37E0CA6A2588}" type="datetimeFigureOut">
-              <a:t>2023/11/22</a:t>
+              <a:t>2024/6/17</a:t>
             </a:fld>
             <a:endParaRPr kumimoji="1" lang="ja-JP" altLang="en-US"/>
           </a:p>
@@ -1828,7 +1828,7 @@
           <a:lstStyle/>
           <a:p>
             <a:fld id="{2224FB0B-34E8-EC45-933D-37E0CA6A2588}" type="datetimeFigureOut">
-              <a:t>2023/11/22</a:t>
+              <a:t>2024/6/17</a:t>
             </a:fld>
             <a:endParaRPr kumimoji="1" lang="ja-JP" altLang="en-US"/>
           </a:p>
@@ -1944,7 +1944,7 @@
           <a:lstStyle/>
           <a:p>
             <a:fld id="{2224FB0B-34E8-EC45-933D-37E0CA6A2588}" type="datetimeFigureOut">
-              <a:t>2023/11/22</a:t>
+              <a:t>2024/6/17</a:t>
             </a:fld>
             <a:endParaRPr kumimoji="1" lang="ja-JP" altLang="en-US"/>
           </a:p>
@@ -2037,7 +2037,7 @@
           <a:lstStyle/>
           <a:p>
             <a:fld id="{2224FB0B-34E8-EC45-933D-37E0CA6A2588}" type="datetimeFigureOut">
-              <a:t>2023/11/22</a:t>
+              <a:t>2024/6/17</a:t>
             </a:fld>
             <a:endParaRPr kumimoji="1" lang="ja-JP" altLang="en-US"/>
           </a:p>
@@ -2344,7 +2344,7 @@
           <a:lstStyle/>
           <a:p>
             <a:fld id="{2224FB0B-34E8-EC45-933D-37E0CA6A2588}" type="datetimeFigureOut">
-              <a:t>2023/11/22</a:t>
+              <a:t>2024/6/17</a:t>
             </a:fld>
             <a:endParaRPr kumimoji="1" lang="ja-JP" altLang="en-US"/>
           </a:p>
@@ -2599,7 +2599,7 @@
           <a:lstStyle/>
           <a:p>
             <a:fld id="{2224FB0B-34E8-EC45-933D-37E0CA6A2588}" type="datetimeFigureOut">
-              <a:t>2023/11/22</a:t>
+              <a:t>2024/6/17</a:t>
             </a:fld>
             <a:endParaRPr kumimoji="1" lang="ja-JP" altLang="en-US"/>
           </a:p>
@@ -2842,7 +2842,7 @@
           </a:lstStyle>
           <a:p>
             <a:fld id="{2224FB0B-34E8-EC45-933D-37E0CA6A2588}" type="datetimeFigureOut">
-              <a:t>2023/11/22</a:t>
+              <a:t>2024/6/17</a:t>
             </a:fld>
             <a:endParaRPr kumimoji="1" lang="ja-JP" altLang="en-US"/>
           </a:p>
@@ -3556,12 +3556,8 @@
               <a:t>identifier(</a:t>
             </a:r>
             <a:r>
-              <a:rPr lang="ja-JP" altLang="en-US" sz="1322"/>
-              <a:t>報告単位識別</a:t>
-            </a:r>
-            <a:r>
               <a:rPr lang="en-US" altLang="ja-JP" sz="1322"/>
-              <a:t>ID</a:t>
+              <a:t>Bundle-ID</a:t>
             </a:r>
             <a:r>
               <a:rPr lang="en-US" altLang="ja-JP" sz="1700"/>
@@ -4564,7 +4560,7 @@
           <a:p>
             <a:r>
               <a:rPr lang="en-US" altLang="ja-JP" sz="1322"/>
-              <a:t>6</a:t>
+              <a:t>5</a:t>
             </a:r>
             <a:r>
               <a:rPr lang="ja-JP" altLang="en-US" sz="1322"/>
@@ -4620,7 +4616,7 @@
         <p:spPr>
           <a:xfrm>
             <a:off x="4370468" y="2541604"/>
-            <a:ext cx="2606758" cy="1109599"/>
+            <a:ext cx="2606758" cy="942117"/>
           </a:xfrm>
           <a:prstGeom prst="rect">
             <a:avLst/>
@@ -4643,118 +4639,138 @@
           <a:lstStyle/>
           <a:p>
             <a:r>
+              <a:rPr lang="en-US" altLang="ja-JP" sz="1322"/>
+              <a:t>Bundle-ID=【</a:t>
+            </a:r>
+            <a:r>
               <a:rPr lang="ja-JP" altLang="en-US" sz="1322"/>
-              <a:t>報告単位識別</a:t>
+              <a:t>保険医療機関番号</a:t>
             </a:r>
             <a:r>
               <a:rPr lang="en-US" altLang="ja-JP" sz="1322"/>
-              <a:t>ID</a:t>
+              <a:t>10</a:t>
             </a:r>
             <a:r>
               <a:rPr lang="ja-JP" altLang="en-US" sz="1322"/>
-              <a:t>は、</a:t>
+              <a:t>桁</a:t>
+            </a:r>
+            <a:r>
+              <a:rPr lang="en-US" altLang="ja-JP" sz="1322"/>
+              <a:t>】</a:t>
+            </a:r>
+            <a:r>
+              <a:rPr lang="ja-JP" altLang="en-US" sz="1322"/>
+              <a:t>、</a:t>
             </a:r>
             <a:r>
               <a:rPr lang="en-US" altLang="ja-JP" sz="1322"/>
               <a:t>【</a:t>
             </a:r>
             <a:r>
-              <a:rPr lang="ja-JP" altLang="en-US" sz="1322"/>
-              <a:t>保険医療機関番号</a:t>
-            </a:r>
-            <a:r>
-              <a:rPr lang="en-US" altLang="ja-JP" sz="1322"/>
-              <a:t>10</a:t>
-            </a:r>
-            <a:r>
-              <a:rPr lang="ja-JP" altLang="en-US" sz="1322"/>
-              <a:t>桁</a:t>
-            </a:r>
-            <a:r>
-              <a:rPr lang="en-US" altLang="ja-JP" sz="1322"/>
-              <a:t>】</a:t>
-            </a:r>
-            <a:r>
-              <a:rPr lang="ja-JP" altLang="en-US" sz="1322"/>
-              <a:t>、被保険者個人識別子</a:t>
-            </a:r>
-            <a:r>
-              <a:rPr lang="en-US" altLang="ja-JP" sz="1322"/>
-              <a:t>】</a:t>
-            </a:r>
-            <a:r>
-              <a:rPr lang="ja-JP" altLang="en-US" sz="1322"/>
-              <a:t>、</a:t>
-            </a:r>
-            <a:r>
-              <a:rPr lang="en-US" altLang="ja-JP" sz="1322"/>
-              <a:t>【</a:t>
-            </a:r>
-            <a:r>
-              <a:rPr lang="ja-JP" altLang="en-US" sz="1322"/>
-              <a:t>報告単位データ識別</a:t>
-            </a:r>
-            <a:r>
-              <a:rPr lang="en" altLang="ja-JP" sz="1322"/>
-              <a:t>ID</a:t>
-            </a:r>
-            <a:r>
-              <a:rPr lang="en-US" altLang="ja-JP" sz="1322"/>
-              <a:t>】</a:t>
-            </a:r>
-            <a:r>
-              <a:rPr lang="ja-JP" altLang="en-US" sz="1322"/>
-              <a:t>を</a:t>
-            </a:r>
-            <a:r>
-              <a:rPr lang="ja-JP" altLang="en-US" sz="1322">
+              <a:rPr lang="ja-JP" altLang="en-US" sz="1400" b="0" i="0">
                 <a:solidFill>
                   <a:srgbClr val="000000"/>
                 </a:solidFill>
-                <a:latin typeface="ＭＳ 明朝" panose="02020609040205080304" pitchFamily="49" charset="-128"/>
-                <a:ea typeface="ＭＳ 明朝" panose="02020609040205080304" pitchFamily="49" charset="-128"/>
+                <a:effectLst/>
+                <a:latin typeface="-apple-system"/>
               </a:rPr>
-              <a:t>半角ハット記号（</a:t>
-            </a:r>
-            <a:r>
-              <a:rPr lang="en-US" altLang="ja-JP" sz="1322">
+              <a:t>発行年</a:t>
+            </a:r>
+            <a:r>
+              <a:rPr lang="en-US" altLang="ja-JP" sz="1400" b="0" i="0">
                 <a:solidFill>
                   <a:srgbClr val="000000"/>
                 </a:solidFill>
-                <a:latin typeface="ＭＳ 明朝" panose="02020609040205080304" pitchFamily="49" charset="-128"/>
-                <a:ea typeface="ＭＳ 明朝" panose="02020609040205080304" pitchFamily="49" charset="-128"/>
+                <a:effectLst/>
+                <a:latin typeface="-apple-system"/>
               </a:rPr>
-              <a:t>^</a:t>
-            </a:r>
-            <a:r>
-              <a:rPr lang="ja-JP" altLang="en-US" sz="1322">
+              <a:t>4</a:t>
+            </a:r>
+            <a:r>
+              <a:rPr lang="ja-JP" altLang="en-US" sz="1400" b="0" i="0">
                 <a:solidFill>
                   <a:srgbClr val="000000"/>
                 </a:solidFill>
-                <a:latin typeface="ＭＳ 明朝" panose="02020609040205080304" pitchFamily="49" charset="-128"/>
-                <a:ea typeface="ＭＳ 明朝" panose="02020609040205080304" pitchFamily="49" charset="-128"/>
+                <a:effectLst/>
+                <a:latin typeface="-apple-system"/>
               </a:rPr>
-              <a:t>）で連結した</a:t>
-            </a:r>
-            <a:r>
-              <a:rPr lang="en-US" altLang="ja-JP" sz="1322">
+              <a:t>桁</a:t>
+            </a:r>
+            <a:r>
+              <a:rPr lang="en-US" altLang="ja-JP" sz="1400" b="0" i="0">
                 <a:solidFill>
                   <a:srgbClr val="000000"/>
                 </a:solidFill>
-                <a:latin typeface="ＭＳ 明朝" panose="02020609040205080304" pitchFamily="49" charset="-128"/>
-                <a:ea typeface="ＭＳ 明朝" panose="02020609040205080304" pitchFamily="49" charset="-128"/>
+                <a:effectLst/>
+                <a:latin typeface="-apple-system"/>
               </a:rPr>
-              <a:t>ID</a:t>
-            </a:r>
-            <a:r>
-              <a:rPr lang="ja-JP" altLang="en-US" sz="1322">
+              <a:t>】</a:t>
+            </a:r>
+            <a:r>
+              <a:rPr lang="ja-JP" altLang="en-US" sz="1322"/>
+              <a:t>、</a:t>
+            </a:r>
+            <a:r>
+              <a:rPr lang="en-US" altLang="ja-JP" sz="1322"/>
+              <a:t>【</a:t>
+            </a:r>
+            <a:r>
+              <a:rPr lang="ja-JP" altLang="en-US" sz="1400" b="0" i="0">
                 <a:solidFill>
                   <a:srgbClr val="000000"/>
                 </a:solidFill>
-                <a:latin typeface="ＭＳ 明朝" panose="02020609040205080304" pitchFamily="49" charset="-128"/>
-                <a:ea typeface="ＭＳ 明朝" panose="02020609040205080304" pitchFamily="49" charset="-128"/>
+                <a:effectLst/>
+                <a:latin typeface="-apple-system"/>
               </a:rPr>
-              <a:t>文字列。</a:t>
+              <a:t>施設内</a:t>
+            </a:r>
+            <a:r>
+              <a:rPr lang="en" altLang="ja-JP" sz="1400" b="0" i="0">
+                <a:solidFill>
+                  <a:srgbClr val="000000"/>
+                </a:solidFill>
+                <a:effectLst/>
+                <a:latin typeface="-apple-system"/>
+              </a:rPr>
+              <a:t>ID</a:t>
+            </a:r>
+            <a:r>
+              <a:rPr lang="en-US" altLang="ja-JP" sz="1322"/>
+              <a:t>】</a:t>
+            </a:r>
+            <a:r>
+              <a:rPr lang="ja-JP" altLang="en-US" sz="1322"/>
+              <a:t>を</a:t>
+            </a:r>
+            <a:r>
+              <a:rPr lang="ja-JP" altLang="en-US" sz="1400" b="0" i="0">
+                <a:solidFill>
+                  <a:srgbClr val="000000"/>
+                </a:solidFill>
+                <a:effectLst/>
+                <a:latin typeface="-apple-system"/>
+              </a:rPr>
+              <a:t>半角ハット記号（</a:t>
+            </a:r>
+            <a:r>
+              <a:rPr lang="en-US" altLang="ja-JP" sz="1400" b="0" i="0">
+                <a:solidFill>
+                  <a:srgbClr val="000000"/>
+                </a:solidFill>
+                <a:effectLst/>
+                <a:latin typeface="-apple-system"/>
+              </a:rPr>
+              <a:t>^</a:t>
+            </a:r>
+            <a:r>
+              <a:rPr lang="ja-JP" altLang="en-US" sz="1400" b="0" i="0">
+                <a:solidFill>
+                  <a:srgbClr val="000000"/>
+                </a:solidFill>
+                <a:effectLst/>
+                <a:latin typeface="-apple-system"/>
+              </a:rPr>
+              <a:t>）で連結した文字列</a:t>
             </a:r>
             <a:endParaRPr lang="en-US" altLang="ja-JP" sz="1322"/>
           </a:p>
@@ -5015,7 +5031,7 @@
             </a:r>
             <a:r>
               <a:rPr lang="en-US" altLang="ja-JP" sz="1200"/>
-              <a:t>identifier</a:t>
+              <a:t>entry.fullUrl</a:t>
             </a:r>
             <a:r>
               <a:rPr lang="ja-JP" altLang="en-US" sz="1200"/>
@@ -5129,7 +5145,7 @@
         <p:spPr>
           <a:xfrm flipH="1" flipV="1">
             <a:off x="3926292" y="2717745"/>
-            <a:ext cx="444177" cy="378659"/>
+            <a:ext cx="444176" cy="294918"/>
           </a:xfrm>
           <a:prstGeom prst="straightConnector1">
             <a:avLst/>
